--- a/doc/CS436-636_ProjectPresentation.pptx
+++ b/doc/CS436-636_ProjectPresentation.pptx
@@ -4599,7 +4599,7 @@
 <dgm:dataModel xmlns:dgm="http://schemas.openxmlformats.org/drawingml/2006/diagram" xmlns:a="http://schemas.openxmlformats.org/drawingml/2006/main">
   <dgm:ptLst>
     <dgm:pt modelId="{DB2C0C0A-EADB-44B9-BEBF-84959796BAD2}" type="doc">
-      <dgm:prSet loTypeId="urn:microsoft.com/office/officeart/2005/8/layout/default" loCatId="list" qsTypeId="urn:microsoft.com/office/officeart/2005/8/quickstyle/simple1" qsCatId="simple" csTypeId="urn:microsoft.com/office/officeart/2005/8/colors/colorful1" csCatId="colorful"/>
+      <dgm:prSet loTypeId="urn:microsoft.com/office/officeart/2005/8/layout/default" loCatId="list" qsTypeId="urn:microsoft.com/office/officeart/2005/8/quickstyle/simple1" qsCatId="simple" csTypeId="urn:microsoft.com/office/officeart/2005/8/colors/colorful1" csCatId="colorful" phldr="1"/>
       <dgm:spPr/>
       <dgm:t>
         <a:bodyPr/>
@@ -4617,8 +4617,8 @@
         <a:lstStyle/>
         <a:p>
           <a:r>
-            <a:rPr lang="en-US"/>
-            <a:t>Column no. 1: Video id.</a:t>
+            <a:rPr lang="en-US" dirty="0"/>
+            <a:t>Column 1: Video id.</a:t>
           </a:r>
         </a:p>
       </dgm:t>
@@ -4653,8 +4653,8 @@
         <a:lstStyle/>
         <a:p>
           <a:r>
-            <a:rPr lang="en-US"/>
-            <a:t>Column no. 2: Video uploader.</a:t>
+            <a:rPr lang="en-US" dirty="0"/>
+            <a:t>Column 2: Video uploader.</a:t>
           </a:r>
         </a:p>
       </dgm:t>
@@ -4689,8 +4689,8 @@
         <a:lstStyle/>
         <a:p>
           <a:r>
-            <a:rPr lang="en-US"/>
-            <a:t>Column no. 3: Interval between the day of establishment of YouTube and the date of uploading of the video.</a:t>
+            <a:rPr lang="en-US" dirty="0"/>
+            <a:t>Column 3: Interval between the day of establishment of YouTube and the date of uploading of the video.</a:t>
           </a:r>
         </a:p>
       </dgm:t>
@@ -4725,8 +4725,8 @@
         <a:lstStyle/>
         <a:p>
           <a:r>
-            <a:rPr lang="en-US"/>
-            <a:t>Column no. 4: Category of the video.</a:t>
+            <a:rPr lang="en-US" dirty="0"/>
+            <a:t>Column 4: Category of the video.</a:t>
           </a:r>
         </a:p>
       </dgm:t>
@@ -4761,8 +4761,8 @@
         <a:lstStyle/>
         <a:p>
           <a:r>
-            <a:rPr lang="en-US"/>
-            <a:t>Column no. 5: Length of the video.</a:t>
+            <a:rPr lang="en-US" dirty="0"/>
+            <a:t>Column 5: Length of the video.</a:t>
           </a:r>
         </a:p>
       </dgm:t>
@@ -4797,8 +4797,8 @@
         <a:lstStyle/>
         <a:p>
           <a:r>
-            <a:rPr lang="en-US"/>
-            <a:t>Column no. 6: Number of views for the video.</a:t>
+            <a:rPr lang="en-US" dirty="0"/>
+            <a:t>Column 6: Number of views for the video.</a:t>
           </a:r>
         </a:p>
       </dgm:t>
@@ -4833,8 +4833,8 @@
         <a:lstStyle/>
         <a:p>
           <a:r>
-            <a:rPr lang="en-US"/>
-            <a:t>Column no. 7: Rating on the video.</a:t>
+            <a:rPr lang="en-US" dirty="0"/>
+            <a:t>Column 7: Rating on the video.</a:t>
           </a:r>
         </a:p>
       </dgm:t>
@@ -4869,8 +4869,8 @@
         <a:lstStyle/>
         <a:p>
           <a:r>
-            <a:rPr lang="en-US"/>
-            <a:t>Column no. 8: Number of ratings given for the video</a:t>
+            <a:rPr lang="en-US" dirty="0"/>
+            <a:t>Column 8: Number of ratings given for the video</a:t>
           </a:r>
         </a:p>
       </dgm:t>
@@ -4905,8 +4905,8 @@
         <a:lstStyle/>
         <a:p>
           <a:r>
-            <a:rPr lang="en-US"/>
-            <a:t>Column no. 9: Number of comments on the videos.</a:t>
+            <a:rPr lang="en-US" dirty="0"/>
+            <a:t>Column 9: Number of comments on the videos.</a:t>
           </a:r>
         </a:p>
       </dgm:t>
@@ -4941,8 +4941,8 @@
         <a:lstStyle/>
         <a:p>
           <a:r>
-            <a:rPr lang="en-US"/>
-            <a:t>Column no. 10: Related video ids of the uploaded video.</a:t>
+            <a:rPr lang="en-US" dirty="0"/>
+            <a:t>Column 10: Related video ids of the uploaded video.</a:t>
           </a:r>
         </a:p>
       </dgm:t>
@@ -7085,8 +7085,8 @@
             <a:buNone/>
           </a:pPr>
           <a:r>
-            <a:rPr lang="en-US" sz="1400" kern="1200"/>
-            <a:t>Column no. 1: Video id.</a:t>
+            <a:rPr lang="en-US" sz="1400" kern="1200" dirty="0"/>
+            <a:t>Column 1: Video id.</a:t>
           </a:r>
         </a:p>
       </dsp:txBody>
@@ -7162,8 +7162,8 @@
             <a:buNone/>
           </a:pPr>
           <a:r>
-            <a:rPr lang="en-US" sz="1400" kern="1200"/>
-            <a:t>Column no. 2: Video uploader.</a:t>
+            <a:rPr lang="en-US" sz="1400" kern="1200" dirty="0"/>
+            <a:t>Column 2: Video uploader.</a:t>
           </a:r>
         </a:p>
       </dsp:txBody>
@@ -7239,8 +7239,8 @@
             <a:buNone/>
           </a:pPr>
           <a:r>
-            <a:rPr lang="en-US" sz="1400" kern="1200"/>
-            <a:t>Column no. 3: Interval between the day of establishment of YouTube and the date of uploading of the video.</a:t>
+            <a:rPr lang="en-US" sz="1400" kern="1200" dirty="0"/>
+            <a:t>Column 3: Interval between the day of establishment of YouTube and the date of uploading of the video.</a:t>
           </a:r>
         </a:p>
       </dsp:txBody>
@@ -7316,8 +7316,8 @@
             <a:buNone/>
           </a:pPr>
           <a:r>
-            <a:rPr lang="en-US" sz="1400" kern="1200"/>
-            <a:t>Column no. 4: Category of the video.</a:t>
+            <a:rPr lang="en-US" sz="1400" kern="1200" dirty="0"/>
+            <a:t>Column 4: Category of the video.</a:t>
           </a:r>
         </a:p>
       </dsp:txBody>
@@ -7393,8 +7393,8 @@
             <a:buNone/>
           </a:pPr>
           <a:r>
-            <a:rPr lang="en-US" sz="1400" kern="1200"/>
-            <a:t>Column no. 5: Length of the video.</a:t>
+            <a:rPr lang="en-US" sz="1400" kern="1200" dirty="0"/>
+            <a:t>Column 5: Length of the video.</a:t>
           </a:r>
         </a:p>
       </dsp:txBody>
@@ -7470,8 +7470,8 @@
             <a:buNone/>
           </a:pPr>
           <a:r>
-            <a:rPr lang="en-US" sz="1400" kern="1200"/>
-            <a:t>Column no. 6: Number of views for the video.</a:t>
+            <a:rPr lang="en-US" sz="1400" kern="1200" dirty="0"/>
+            <a:t>Column 6: Number of views for the video.</a:t>
           </a:r>
         </a:p>
       </dsp:txBody>
@@ -7547,8 +7547,8 @@
             <a:buNone/>
           </a:pPr>
           <a:r>
-            <a:rPr lang="en-US" sz="1400" kern="1200"/>
-            <a:t>Column no. 7: Rating on the video.</a:t>
+            <a:rPr lang="en-US" sz="1400" kern="1200" dirty="0"/>
+            <a:t>Column 7: Rating on the video.</a:t>
           </a:r>
         </a:p>
       </dsp:txBody>
@@ -7624,8 +7624,8 @@
             <a:buNone/>
           </a:pPr>
           <a:r>
-            <a:rPr lang="en-US" sz="1400" kern="1200"/>
-            <a:t>Column no. 8: Number of ratings given for the video</a:t>
+            <a:rPr lang="en-US" sz="1400" kern="1200" dirty="0"/>
+            <a:t>Column 8: Number of ratings given for the video</a:t>
           </a:r>
         </a:p>
       </dsp:txBody>
@@ -7701,8 +7701,8 @@
             <a:buNone/>
           </a:pPr>
           <a:r>
-            <a:rPr lang="en-US" sz="1400" kern="1200"/>
-            <a:t>Column no. 9: Number of comments on the videos.</a:t>
+            <a:rPr lang="en-US" sz="1400" kern="1200" dirty="0"/>
+            <a:t>Column 9: Number of comments on the videos.</a:t>
           </a:r>
         </a:p>
       </dsp:txBody>
@@ -7778,8 +7778,8 @@
             <a:buNone/>
           </a:pPr>
           <a:r>
-            <a:rPr lang="en-US" sz="1400" kern="1200"/>
-            <a:t>Column no. 10: Related video ids of the uploaded video.</a:t>
+            <a:rPr lang="en-US" sz="1400" kern="1200" dirty="0"/>
+            <a:t>Column 10: Related video ids of the uploaded video.</a:t>
           </a:r>
         </a:p>
       </dsp:txBody>
@@ -13848,7 +13848,7 @@
             <a:fld id="{B61BEF0D-F0BB-DE4B-95CE-6DB70DBA9567}" type="datetimeFigureOut">
               <a:rPr lang="en-US" dirty="0"/>
               <a:pPr/>
-              <a:t>4/25/19</a:t>
+              <a:t>4/29/19</a:t>
             </a:fld>
             <a:endParaRPr lang="en-US" dirty="0"/>
           </a:p>
@@ -14179,7 +14179,7 @@
             <a:fld id="{B61BEF0D-F0BB-DE4B-95CE-6DB70DBA9567}" type="datetimeFigureOut">
               <a:rPr lang="en-US" dirty="0"/>
               <a:pPr/>
-              <a:t>4/25/19</a:t>
+              <a:t>4/29/19</a:t>
             </a:fld>
             <a:endParaRPr lang="en-US" dirty="0"/>
           </a:p>
@@ -14454,7 +14454,7 @@
             <a:fld id="{B61BEF0D-F0BB-DE4B-95CE-6DB70DBA9567}" type="datetimeFigureOut">
               <a:rPr lang="en-US" dirty="0"/>
               <a:pPr/>
-              <a:t>4/25/19</a:t>
+              <a:t>4/29/19</a:t>
             </a:fld>
             <a:endParaRPr lang="en-US" dirty="0"/>
           </a:p>
@@ -15019,7 +15019,7 @@
             <a:fld id="{B61BEF0D-F0BB-DE4B-95CE-6DB70DBA9567}" type="datetimeFigureOut">
               <a:rPr lang="en-US" dirty="0"/>
               <a:pPr/>
-              <a:t>4/25/19</a:t>
+              <a:t>4/29/19</a:t>
             </a:fld>
             <a:endParaRPr lang="en-US" dirty="0"/>
           </a:p>
@@ -15294,7 +15294,7 @@
             <a:fld id="{B61BEF0D-F0BB-DE4B-95CE-6DB70DBA9567}" type="datetimeFigureOut">
               <a:rPr lang="en-US" dirty="0"/>
               <a:pPr/>
-              <a:t>4/25/19</a:t>
+              <a:t>4/29/19</a:t>
             </a:fld>
             <a:endParaRPr lang="en-US" dirty="0"/>
           </a:p>
@@ -15853,7 +15853,7 @@
             <a:fld id="{B61BEF0D-F0BB-DE4B-95CE-6DB70DBA9567}" type="datetimeFigureOut">
               <a:rPr lang="en-US" dirty="0"/>
               <a:pPr/>
-              <a:t>4/25/19</a:t>
+              <a:t>4/29/19</a:t>
             </a:fld>
             <a:endParaRPr lang="en-US" dirty="0"/>
           </a:p>
@@ -16177,7 +16177,7 @@
             <a:fld id="{B61BEF0D-F0BB-DE4B-95CE-6DB70DBA9567}" type="datetimeFigureOut">
               <a:rPr lang="en-US" dirty="0"/>
               <a:pPr/>
-              <a:t>4/25/19</a:t>
+              <a:t>4/29/19</a:t>
             </a:fld>
             <a:endParaRPr lang="en-US" dirty="0"/>
           </a:p>
@@ -16351,7 +16351,7 @@
             <a:fld id="{B61BEF0D-F0BB-DE4B-95CE-6DB70DBA9567}" type="datetimeFigureOut">
               <a:rPr lang="en-US" dirty="0"/>
               <a:pPr/>
-              <a:t>4/25/19</a:t>
+              <a:t>4/29/19</a:t>
             </a:fld>
             <a:endParaRPr lang="en-US" dirty="0"/>
           </a:p>
@@ -16586,7 +16586,7 @@
             <a:fld id="{B61BEF0D-F0BB-DE4B-95CE-6DB70DBA9567}" type="datetimeFigureOut">
               <a:rPr lang="en-US" dirty="0"/>
               <a:pPr/>
-              <a:t>4/25/19</a:t>
+              <a:t>4/29/19</a:t>
             </a:fld>
             <a:endParaRPr lang="en-US" dirty="0"/>
           </a:p>
@@ -16783,7 +16783,7 @@
             <a:fld id="{B61BEF0D-F0BB-DE4B-95CE-6DB70DBA9567}" type="datetimeFigureOut">
               <a:rPr lang="en-US" dirty="0"/>
               <a:pPr/>
-              <a:t>4/25/19</a:t>
+              <a:t>4/29/19</a:t>
             </a:fld>
             <a:endParaRPr lang="en-US" dirty="0"/>
           </a:p>
@@ -17056,7 +17056,7 @@
             <a:fld id="{B61BEF0D-F0BB-DE4B-95CE-6DB70DBA9567}" type="datetimeFigureOut">
               <a:rPr lang="en-US" dirty="0"/>
               <a:pPr/>
-              <a:t>4/25/19</a:t>
+              <a:t>4/29/19</a:t>
             </a:fld>
             <a:endParaRPr lang="en-US" dirty="0"/>
           </a:p>
@@ -17319,7 +17319,7 @@
             <a:fld id="{B61BEF0D-F0BB-DE4B-95CE-6DB70DBA9567}" type="datetimeFigureOut">
               <a:rPr lang="en-US" dirty="0"/>
               <a:pPr/>
-              <a:t>4/25/19</a:t>
+              <a:t>4/29/19</a:t>
             </a:fld>
             <a:endParaRPr lang="en-US" dirty="0"/>
           </a:p>
@@ -17690,7 +17690,7 @@
             <a:fld id="{B61BEF0D-F0BB-DE4B-95CE-6DB70DBA9567}" type="datetimeFigureOut">
               <a:rPr lang="en-US" dirty="0"/>
               <a:pPr/>
-              <a:t>4/25/19</a:t>
+              <a:t>4/29/19</a:t>
             </a:fld>
             <a:endParaRPr lang="en-US" dirty="0"/>
           </a:p>
@@ -17835,7 +17835,7 @@
             <a:fld id="{B61BEF0D-F0BB-DE4B-95CE-6DB70DBA9567}" type="datetimeFigureOut">
               <a:rPr lang="en-US" dirty="0"/>
               <a:pPr/>
-              <a:t>4/25/19</a:t>
+              <a:t>4/29/19</a:t>
             </a:fld>
             <a:endParaRPr lang="en-US" dirty="0"/>
           </a:p>
@@ -17957,7 +17957,7 @@
             <a:fld id="{B61BEF0D-F0BB-DE4B-95CE-6DB70DBA9567}" type="datetimeFigureOut">
               <a:rPr lang="en-US" dirty="0"/>
               <a:pPr/>
-              <a:t>4/25/19</a:t>
+              <a:t>4/29/19</a:t>
             </a:fld>
             <a:endParaRPr lang="en-US" dirty="0"/>
           </a:p>
@@ -18239,7 +18239,7 @@
             <a:fld id="{B61BEF0D-F0BB-DE4B-95CE-6DB70DBA9567}" type="datetimeFigureOut">
               <a:rPr lang="en-US" dirty="0"/>
               <a:pPr/>
-              <a:t>4/25/19</a:t>
+              <a:t>4/29/19</a:t>
             </a:fld>
             <a:endParaRPr lang="en-US" dirty="0"/>
           </a:p>
@@ -18560,7 +18560,7 @@
             <a:fld id="{B61BEF0D-F0BB-DE4B-95CE-6DB70DBA9567}" type="datetimeFigureOut">
               <a:rPr lang="en-US" dirty="0"/>
               <a:pPr/>
-              <a:t>4/25/19</a:t>
+              <a:t>4/29/19</a:t>
             </a:fld>
             <a:endParaRPr lang="en-US" dirty="0"/>
           </a:p>
@@ -18771,7 +18771,7 @@
             <a:fld id="{B61BEF0D-F0BB-DE4B-95CE-6DB70DBA9567}" type="datetimeFigureOut">
               <a:rPr lang="en-US" dirty="0"/>
               <a:pPr/>
-              <a:t>4/25/19</a:t>
+              <a:t>4/29/19</a:t>
             </a:fld>
             <a:endParaRPr lang="en-US" dirty="0"/>
           </a:p>
@@ -22675,7 +22675,7 @@
             <p:ph idx="1"/>
             <p:extLst>
               <p:ext uri="{D42A27DB-BD31-4B8C-83A1-F6EECF244321}">
-                <p14:modId xmlns:p14="http://schemas.microsoft.com/office/powerpoint/2010/main" val="2183710657"/>
+                <p14:modId xmlns:p14="http://schemas.microsoft.com/office/powerpoint/2010/main" val="194325688"/>
               </p:ext>
             </p:extLst>
           </p:nvPr>
